--- a/DSP/Ditte-Powerpoints/dspExamQ7.pptx
+++ b/DSP/Ditte-Powerpoints/dspExamQ7.pptx
@@ -11,17 +11,17 @@
     <p:sldId id="256" r:id="rId2"/>
     <p:sldId id="257" r:id="rId3"/>
     <p:sldId id="258" r:id="rId4"/>
-    <p:sldId id="259" r:id="rId5"/>
-    <p:sldId id="262" r:id="rId6"/>
-    <p:sldId id="263" r:id="rId7"/>
+    <p:sldId id="276" r:id="rId5"/>
+    <p:sldId id="259" r:id="rId6"/>
+    <p:sldId id="262" r:id="rId7"/>
     <p:sldId id="268" r:id="rId8"/>
     <p:sldId id="270" r:id="rId9"/>
     <p:sldId id="269" r:id="rId10"/>
     <p:sldId id="271" r:id="rId11"/>
     <p:sldId id="272" r:id="rId12"/>
-    <p:sldId id="274" r:id="rId13"/>
+    <p:sldId id="261" r:id="rId13"/>
     <p:sldId id="273" r:id="rId14"/>
-    <p:sldId id="261" r:id="rId15"/>
+    <p:sldId id="274" r:id="rId15"/>
   </p:sldIdLst>
   <p:sldSz cx="12192000" cy="6858000"/>
   <p:notesSz cx="6858000" cy="9144000"/>
@@ -131,7 +131,7 @@
 <file path=ppt/revisionInfo.xml><?xml version="1.0" encoding="utf-8"?>
 <p1510:revInfo xmlns:a="http://schemas.openxmlformats.org/drawingml/2006/main" xmlns:r="http://schemas.openxmlformats.org/officeDocument/2006/relationships" xmlns:p1510="http://schemas.microsoft.com/office/powerpoint/2015/10/main">
   <p1510:revLst>
-    <p1510:client id="{C2033581-4563-494C-8089-A5B58EAAC7B5}" v="6" dt="2024-12-30T10:20:56.008"/>
+    <p1510:client id="{C77E5481-CF84-4984-8F99-74E5FA6E0393}" v="2" dt="2025-01-15T15:26:43.898"/>
   </p1510:revLst>
 </p1510:revInfo>
 </file>
@@ -288,14 +288,6 @@
           <pc:docMk/>
           <pc:sldMk cId="2556098636" sldId="263"/>
         </pc:sldMkLst>
-        <pc:picChg chg="add mod">
-          <ac:chgData name="Ditte Filskov Theilgaard" userId="150196ba-3d64-4ece-aa51-395739ba31e6" providerId="ADAL" clId="{C2033581-4563-494C-8089-A5B58EAAC7B5}" dt="2024-12-28T09:31:46.637" v="293" actId="14100"/>
-          <ac:picMkLst>
-            <pc:docMk/>
-            <pc:sldMk cId="2556098636" sldId="263"/>
-            <ac:picMk id="3" creationId="{2055A565-275C-AE44-FE46-A97CE6968B38}"/>
-          </ac:picMkLst>
-        </pc:picChg>
       </pc:sldChg>
       <pc:sldChg chg="modSp new del mod ord">
         <pc:chgData name="Ditte Filskov Theilgaard" userId="150196ba-3d64-4ece-aa51-395739ba31e6" providerId="ADAL" clId="{C2033581-4563-494C-8089-A5B58EAAC7B5}" dt="2024-12-28T10:25:43.914" v="463" actId="47"/>
@@ -471,6 +463,97 @@
       </pc:sldChg>
     </pc:docChg>
   </pc:docChgLst>
+  <pc:docChgLst>
+    <pc:chgData name="Ditte Filskov Theilgaard" userId="150196ba-3d64-4ece-aa51-395739ba31e6" providerId="ADAL" clId="{C77E5481-CF84-4984-8F99-74E5FA6E0393}"/>
+    <pc:docChg chg="custSel addSld delSld modSld sldOrd">
+      <pc:chgData name="Ditte Filskov Theilgaard" userId="150196ba-3d64-4ece-aa51-395739ba31e6" providerId="ADAL" clId="{C77E5481-CF84-4984-8F99-74E5FA6E0393}" dt="2025-01-15T15:26:00.744" v="52" actId="1076"/>
+      <pc:docMkLst>
+        <pc:docMk/>
+      </pc:docMkLst>
+      <pc:sldChg chg="addSp modSp mod">
+        <pc:chgData name="Ditte Filskov Theilgaard" userId="150196ba-3d64-4ece-aa51-395739ba31e6" providerId="ADAL" clId="{C77E5481-CF84-4984-8F99-74E5FA6E0393}" dt="2025-01-15T15:26:00.744" v="52" actId="1076"/>
+        <pc:sldMkLst>
+          <pc:docMk/>
+          <pc:sldMk cId="4027991178" sldId="257"/>
+        </pc:sldMkLst>
+        <pc:spChg chg="mod">
+          <ac:chgData name="Ditte Filskov Theilgaard" userId="150196ba-3d64-4ece-aa51-395739ba31e6" providerId="ADAL" clId="{C77E5481-CF84-4984-8F99-74E5FA6E0393}" dt="2025-01-15T10:17:43.418" v="5" actId="20577"/>
+          <ac:spMkLst>
+            <pc:docMk/>
+            <pc:sldMk cId="4027991178" sldId="257"/>
+            <ac:spMk id="3" creationId="{8F5EB24A-E97D-517A-212F-5A5C3D1AB203}"/>
+          </ac:spMkLst>
+        </pc:spChg>
+        <pc:picChg chg="add mod">
+          <ac:chgData name="Ditte Filskov Theilgaard" userId="150196ba-3d64-4ece-aa51-395739ba31e6" providerId="ADAL" clId="{C77E5481-CF84-4984-8F99-74E5FA6E0393}" dt="2025-01-15T15:26:00.744" v="52" actId="1076"/>
+          <ac:picMkLst>
+            <pc:docMk/>
+            <pc:sldMk cId="4027991178" sldId="257"/>
+            <ac:picMk id="5" creationId="{C588F9E0-A528-FAFB-9985-DBC48650C464}"/>
+          </ac:picMkLst>
+        </pc:picChg>
+      </pc:sldChg>
+      <pc:sldChg chg="ord">
+        <pc:chgData name="Ditte Filskov Theilgaard" userId="150196ba-3d64-4ece-aa51-395739ba31e6" providerId="ADAL" clId="{C77E5481-CF84-4984-8F99-74E5FA6E0393}" dt="2025-01-15T15:05:15.052" v="44"/>
+        <pc:sldMkLst>
+          <pc:docMk/>
+          <pc:sldMk cId="1875415987" sldId="261"/>
+        </pc:sldMkLst>
+      </pc:sldChg>
+      <pc:sldChg chg="del">
+        <pc:chgData name="Ditte Filskov Theilgaard" userId="150196ba-3d64-4ece-aa51-395739ba31e6" providerId="ADAL" clId="{C77E5481-CF84-4984-8F99-74E5FA6E0393}" dt="2025-01-15T15:06:11.381" v="48" actId="47"/>
+        <pc:sldMkLst>
+          <pc:docMk/>
+          <pc:sldMk cId="2556098636" sldId="263"/>
+        </pc:sldMkLst>
+      </pc:sldChg>
+      <pc:sldChg chg="ord">
+        <pc:chgData name="Ditte Filskov Theilgaard" userId="150196ba-3d64-4ece-aa51-395739ba31e6" providerId="ADAL" clId="{C77E5481-CF84-4984-8F99-74E5FA6E0393}" dt="2025-01-15T15:05:16.864" v="46"/>
+        <pc:sldMkLst>
+          <pc:docMk/>
+          <pc:sldMk cId="1959277467" sldId="273"/>
+        </pc:sldMkLst>
+      </pc:sldChg>
+      <pc:sldChg chg="modSp new del mod">
+        <pc:chgData name="Ditte Filskov Theilgaard" userId="150196ba-3d64-4ece-aa51-395739ba31e6" providerId="ADAL" clId="{C77E5481-CF84-4984-8F99-74E5FA6E0393}" dt="2025-01-15T15:05:51.191" v="47" actId="47"/>
+        <pc:sldMkLst>
+          <pc:docMk/>
+          <pc:sldMk cId="3754970303" sldId="275"/>
+        </pc:sldMkLst>
+        <pc:spChg chg="mod">
+          <ac:chgData name="Ditte Filskov Theilgaard" userId="150196ba-3d64-4ece-aa51-395739ba31e6" providerId="ADAL" clId="{C77E5481-CF84-4984-8F99-74E5FA6E0393}" dt="2025-01-15T10:19:34.493" v="42" actId="20577"/>
+          <ac:spMkLst>
+            <pc:docMk/>
+            <pc:sldMk cId="3754970303" sldId="275"/>
+            <ac:spMk id="2" creationId="{FE254971-D3B7-5375-878D-75B46D3CABED}"/>
+          </ac:spMkLst>
+        </pc:spChg>
+      </pc:sldChg>
+      <pc:sldChg chg="addSp delSp modSp new mod">
+        <pc:chgData name="Ditte Filskov Theilgaard" userId="150196ba-3d64-4ece-aa51-395739ba31e6" providerId="ADAL" clId="{C77E5481-CF84-4984-8F99-74E5FA6E0393}" dt="2025-01-15T10:17:02.331" v="4" actId="1076"/>
+        <pc:sldMkLst>
+          <pc:docMk/>
+          <pc:sldMk cId="1661358152" sldId="276"/>
+        </pc:sldMkLst>
+        <pc:spChg chg="del">
+          <ac:chgData name="Ditte Filskov Theilgaard" userId="150196ba-3d64-4ece-aa51-395739ba31e6" providerId="ADAL" clId="{C77E5481-CF84-4984-8F99-74E5FA6E0393}" dt="2025-01-15T10:16:55.804" v="2" actId="478"/>
+          <ac:spMkLst>
+            <pc:docMk/>
+            <pc:sldMk cId="1661358152" sldId="276"/>
+            <ac:spMk id="2" creationId="{181E9956-8A65-07A3-7AFE-2A1C15F5306A}"/>
+          </ac:spMkLst>
+        </pc:spChg>
+        <pc:picChg chg="add mod">
+          <ac:chgData name="Ditte Filskov Theilgaard" userId="150196ba-3d64-4ece-aa51-395739ba31e6" providerId="ADAL" clId="{C77E5481-CF84-4984-8F99-74E5FA6E0393}" dt="2025-01-15T10:17:02.331" v="4" actId="1076"/>
+          <ac:picMkLst>
+            <pc:docMk/>
+            <pc:sldMk cId="1661358152" sldId="276"/>
+            <ac:picMk id="4" creationId="{8BA89C7F-92E4-524C-C882-40742B71F0AC}"/>
+          </ac:picMkLst>
+        </pc:picChg>
+      </pc:sldChg>
+    </pc:docChg>
+  </pc:docChgLst>
 </pc:chgInfo>
 </file>
 
@@ -556,7 +639,7 @@
           <a:p>
             <a:fld id="{237DF243-990D-452E-B2F0-0A24C40DD102}" type="datetimeFigureOut">
               <a:rPr lang="en-US" smtClean="0"/>
-              <a:t>1/14/2025</a:t>
+              <a:t>1/15/2025</a:t>
             </a:fld>
             <a:endParaRPr lang="en-US"/>
           </a:p>
@@ -968,9 +1051,9 @@
           <a:bodyPr/>
           <a:lstStyle/>
           <a:p>
-            <a:fld id="{9CB904D7-2B70-4964-9B23-4E5B349F082D}" type="datetimeFigureOut">
+            <a:fld id="{823C22F0-3133-42E6-AB2E-A4AEB92A13ED}" type="datetime1">
               <a:rPr lang="en-US" smtClean="0"/>
-              <a:t>1/14/2025</a:t>
+              <a:t>1/15/2025</a:t>
             </a:fld>
             <a:endParaRPr lang="en-US"/>
           </a:p>
@@ -1173,9 +1256,9 @@
           <a:bodyPr/>
           <a:lstStyle/>
           <a:p>
-            <a:fld id="{9CB904D7-2B70-4964-9B23-4E5B349F082D}" type="datetimeFigureOut">
+            <a:fld id="{D42DFA4A-ABB6-4209-9C65-1DEB868A970B}" type="datetime1">
               <a:rPr lang="en-US" smtClean="0"/>
-              <a:t>1/14/2025</a:t>
+              <a:t>1/15/2025</a:t>
             </a:fld>
             <a:endParaRPr lang="en-US"/>
           </a:p>
@@ -1448,9 +1531,9 @@
           <a:bodyPr/>
           <a:lstStyle/>
           <a:p>
-            <a:fld id="{9CB904D7-2B70-4964-9B23-4E5B349F082D}" type="datetimeFigureOut">
+            <a:fld id="{FF71F601-3DBF-43ED-AC69-1CEFD3A23D62}" type="datetime1">
               <a:rPr lang="en-US" smtClean="0"/>
-              <a:t>1/14/2025</a:t>
+              <a:t>1/15/2025</a:t>
             </a:fld>
             <a:endParaRPr lang="en-US"/>
           </a:p>
@@ -1713,9 +1796,9 @@
           <a:bodyPr/>
           <a:lstStyle/>
           <a:p>
-            <a:fld id="{9CB904D7-2B70-4964-9B23-4E5B349F082D}" type="datetimeFigureOut">
+            <a:fld id="{4089AA0A-CA33-4D68-8E4C-915F8E6B738B}" type="datetime1">
               <a:rPr lang="en-US" smtClean="0"/>
-              <a:t>1/14/2025</a:t>
+              <a:t>1/15/2025</a:t>
             </a:fld>
             <a:endParaRPr lang="en-US"/>
           </a:p>
@@ -2125,9 +2208,9 @@
           <a:bodyPr/>
           <a:lstStyle/>
           <a:p>
-            <a:fld id="{9CB904D7-2B70-4964-9B23-4E5B349F082D}" type="datetimeFigureOut">
+            <a:fld id="{A22D4A40-7497-4C68-9962-6CA588B960DE}" type="datetime1">
               <a:rPr lang="en-US" smtClean="0"/>
-              <a:t>1/14/2025</a:t>
+              <a:t>1/15/2025</a:t>
             </a:fld>
             <a:endParaRPr lang="en-US"/>
           </a:p>
@@ -2266,9 +2349,9 @@
           <a:bodyPr/>
           <a:lstStyle/>
           <a:p>
-            <a:fld id="{9CB904D7-2B70-4964-9B23-4E5B349F082D}" type="datetimeFigureOut">
+            <a:fld id="{C4D8842D-4063-461B-9CFD-4703F0BC88F0}" type="datetime1">
               <a:rPr lang="en-US" smtClean="0"/>
-              <a:t>1/14/2025</a:t>
+              <a:t>1/15/2025</a:t>
             </a:fld>
             <a:endParaRPr lang="en-US"/>
           </a:p>
@@ -2379,9 +2462,9 @@
           <a:bodyPr/>
           <a:lstStyle/>
           <a:p>
-            <a:fld id="{9CB904D7-2B70-4964-9B23-4E5B349F082D}" type="datetimeFigureOut">
+            <a:fld id="{9936D684-3835-4EA9-AD14-59A0169C374E}" type="datetime1">
               <a:rPr lang="en-US" smtClean="0"/>
-              <a:t>1/14/2025</a:t>
+              <a:t>1/15/2025</a:t>
             </a:fld>
             <a:endParaRPr lang="en-US"/>
           </a:p>
@@ -2620,9 +2703,9 @@
             </a:lvl1pPr>
           </a:lstStyle>
           <a:p>
-            <a:fld id="{9CB904D7-2B70-4964-9B23-4E5B349F082D}" type="datetimeFigureOut">
+            <a:fld id="{CC20AC29-D63B-4A82-86B3-B6213F362A80}" type="datetime1">
               <a:rPr lang="en-US" smtClean="0"/>
-              <a:t>1/14/2025</a:t>
+              <a:t>1/15/2025</a:t>
             </a:fld>
             <a:endParaRPr lang="en-US"/>
           </a:p>
@@ -2735,6 +2818,7 @@
     <p:sldLayoutId id="2147483654" r:id="rId6"/>
     <p:sldLayoutId id="2147483655" r:id="rId7"/>
   </p:sldLayoutIdLst>
+  <p:hf hdr="0" ftr="0" dt="0"/>
   <p:txStyles>
     <p:titleStyle>
       <a:lvl1pPr algn="l" defTabSz="914400" rtl="0" eaLnBrk="1" latinLnBrk="0" hangingPunct="1">
@@ -3390,6 +3474,35 @@
           </a:p>
         </p:txBody>
       </p:sp>
+      <p:sp>
+        <p:nvSpPr>
+          <p:cNvPr id="4" name="Slide Number Placeholder 3">
+            <a:extLst>
+              <a:ext uri="{FF2B5EF4-FFF2-40B4-BE49-F238E27FC236}">
+                <a16:creationId xmlns:a16="http://schemas.microsoft.com/office/drawing/2014/main" id="{240E109C-8B74-3E34-80A6-CF7C10857CDC}"/>
+              </a:ext>
+            </a:extLst>
+          </p:cNvPr>
+          <p:cNvSpPr>
+            <a:spLocks noGrp="1"/>
+          </p:cNvSpPr>
+          <p:nvPr>
+            <p:ph type="sldNum" sz="quarter" idx="12"/>
+          </p:nvPr>
+        </p:nvSpPr>
+        <p:spPr/>
+        <p:txBody>
+          <a:bodyPr/>
+          <a:lstStyle/>
+          <a:p>
+            <a:fld id="{4B04BC67-DFA6-4863-89DB-B4077B3FACAF}" type="slidenum">
+              <a:rPr lang="en-US" smtClean="0"/>
+              <a:t>1</a:t>
+            </a:fld>
+            <a:endParaRPr lang="en-US"/>
+          </a:p>
+        </p:txBody>
+      </p:sp>
     </p:spTree>
     <p:extLst>
       <p:ext uri="{BB962C8B-B14F-4D97-AF65-F5344CB8AC3E}">
@@ -3450,6 +3563,35 @@
           </a:prstGeom>
         </p:spPr>
       </p:pic>
+      <p:sp>
+        <p:nvSpPr>
+          <p:cNvPr id="2" name="Slide Number Placeholder 1">
+            <a:extLst>
+              <a:ext uri="{FF2B5EF4-FFF2-40B4-BE49-F238E27FC236}">
+                <a16:creationId xmlns:a16="http://schemas.microsoft.com/office/drawing/2014/main" id="{655FBAC0-15BA-118E-932D-AA6A69617ED3}"/>
+              </a:ext>
+            </a:extLst>
+          </p:cNvPr>
+          <p:cNvSpPr>
+            <a:spLocks noGrp="1"/>
+          </p:cNvSpPr>
+          <p:nvPr>
+            <p:ph type="sldNum" sz="quarter" idx="12"/>
+          </p:nvPr>
+        </p:nvSpPr>
+        <p:spPr/>
+        <p:txBody>
+          <a:bodyPr/>
+          <a:lstStyle/>
+          <a:p>
+            <a:fld id="{4B04BC67-DFA6-4863-89DB-B4077B3FACAF}" type="slidenum">
+              <a:rPr lang="en-US" smtClean="0"/>
+              <a:t>10</a:t>
+            </a:fld>
+            <a:endParaRPr lang="en-US"/>
+          </a:p>
+        </p:txBody>
+      </p:sp>
     </p:spTree>
     <p:extLst>
       <p:ext uri="{BB962C8B-B14F-4D97-AF65-F5344CB8AC3E}">
@@ -3540,6 +3682,35 @@
           </a:prstGeom>
         </p:spPr>
       </p:pic>
+      <p:sp>
+        <p:nvSpPr>
+          <p:cNvPr id="2" name="Slide Number Placeholder 1">
+            <a:extLst>
+              <a:ext uri="{FF2B5EF4-FFF2-40B4-BE49-F238E27FC236}">
+                <a16:creationId xmlns:a16="http://schemas.microsoft.com/office/drawing/2014/main" id="{DDC1E385-4A8A-4B14-B3B3-5DEA70911309}"/>
+              </a:ext>
+            </a:extLst>
+          </p:cNvPr>
+          <p:cNvSpPr>
+            <a:spLocks noGrp="1"/>
+          </p:cNvSpPr>
+          <p:nvPr>
+            <p:ph type="sldNum" sz="quarter" idx="12"/>
+          </p:nvPr>
+        </p:nvSpPr>
+        <p:spPr/>
+        <p:txBody>
+          <a:bodyPr/>
+          <a:lstStyle/>
+          <a:p>
+            <a:fld id="{4B04BC67-DFA6-4863-89DB-B4077B3FACAF}" type="slidenum">
+              <a:rPr lang="en-US" smtClean="0"/>
+              <a:t>11</a:t>
+            </a:fld>
+            <a:endParaRPr lang="en-US"/>
+          </a:p>
+        </p:txBody>
+      </p:sp>
     </p:spTree>
     <p:extLst>
       <p:ext uri="{BB962C8B-B14F-4D97-AF65-F5344CB8AC3E}">
@@ -3570,41 +3741,12 @@
           <a:chExt cx="0" cy="0"/>
         </a:xfrm>
       </p:grpSpPr>
-      <p:sp>
-        <p:nvSpPr>
-          <p:cNvPr id="2" name="Title 1">
-            <a:extLst>
-              <a:ext uri="{FF2B5EF4-FFF2-40B4-BE49-F238E27FC236}">
-                <a16:creationId xmlns:a16="http://schemas.microsoft.com/office/drawing/2014/main" id="{71F2824D-2D72-425A-4A40-042DB014D635}"/>
-              </a:ext>
-            </a:extLst>
-          </p:cNvPr>
-          <p:cNvSpPr>
-            <a:spLocks noGrp="1"/>
-          </p:cNvSpPr>
-          <p:nvPr>
-            <p:ph type="title"/>
-          </p:nvPr>
-        </p:nvSpPr>
-        <p:spPr/>
-        <p:txBody>
-          <a:bodyPr/>
-          <a:lstStyle/>
-          <a:p>
-            <a:r>
-              <a:rPr lang="en-US"/>
-              <a:t>Anvendelse af DFT</a:t>
-            </a:r>
-            <a:endParaRPr lang="en-US" dirty="0"/>
-          </a:p>
-        </p:txBody>
-      </p:sp>
       <p:pic>
         <p:nvPicPr>
           <p:cNvPr id="4" name="Picture 3">
             <a:extLst>
               <a:ext uri="{FF2B5EF4-FFF2-40B4-BE49-F238E27FC236}">
-                <a16:creationId xmlns:a16="http://schemas.microsoft.com/office/drawing/2014/main" id="{C68EA6B5-4A8E-838F-80F3-772B05AD7232}"/>
+                <a16:creationId xmlns:a16="http://schemas.microsoft.com/office/drawing/2014/main" id="{11CBE2CB-50B9-527D-97BB-72436E14EDD4}"/>
               </a:ext>
             </a:extLst>
           </p:cNvPr>
@@ -3621,18 +3763,125 @@
         </p:blipFill>
         <p:spPr>
           <a:xfrm>
-            <a:off x="0" y="2106657"/>
-            <a:ext cx="12192000" cy="4751343"/>
+            <a:off x="1184177" y="1663582"/>
+            <a:ext cx="3803845" cy="4572235"/>
           </a:xfrm>
           <a:prstGeom prst="rect">
             <a:avLst/>
           </a:prstGeom>
         </p:spPr>
       </p:pic>
+      <p:pic>
+        <p:nvPicPr>
+          <p:cNvPr id="6" name="Picture 5">
+            <a:extLst>
+              <a:ext uri="{FF2B5EF4-FFF2-40B4-BE49-F238E27FC236}">
+                <a16:creationId xmlns:a16="http://schemas.microsoft.com/office/drawing/2014/main" id="{7464EBDC-E3C3-35E6-297C-96F8A3117590}"/>
+              </a:ext>
+            </a:extLst>
+          </p:cNvPr>
+          <p:cNvPicPr>
+            <a:picLocks noChangeAspect="1"/>
+          </p:cNvPicPr>
+          <p:nvPr/>
+        </p:nvPicPr>
+        <p:blipFill>
+          <a:blip r:embed="rId3"/>
+          <a:stretch>
+            <a:fillRect/>
+          </a:stretch>
+        </p:blipFill>
+        <p:spPr>
+          <a:xfrm>
+            <a:off x="7203980" y="1663581"/>
+            <a:ext cx="3988005" cy="4572235"/>
+          </a:xfrm>
+          <a:prstGeom prst="rect">
+            <a:avLst/>
+          </a:prstGeom>
+        </p:spPr>
+      </p:pic>
+      <p:sp>
+        <p:nvSpPr>
+          <p:cNvPr id="7" name="Title 6">
+            <a:extLst>
+              <a:ext uri="{FF2B5EF4-FFF2-40B4-BE49-F238E27FC236}">
+                <a16:creationId xmlns:a16="http://schemas.microsoft.com/office/drawing/2014/main" id="{60EA4D73-03A4-6C24-DE53-95B97277BACC}"/>
+              </a:ext>
+            </a:extLst>
+          </p:cNvPr>
+          <p:cNvSpPr>
+            <a:spLocks noGrp="1"/>
+          </p:cNvSpPr>
+          <p:nvPr>
+            <p:ph type="title"/>
+          </p:nvPr>
+        </p:nvSpPr>
+        <p:spPr/>
+        <p:txBody>
+          <a:bodyPr/>
+          <a:lstStyle/>
+          <a:p>
+            <a:r>
+              <a:rPr lang="en-US" dirty="0" err="1"/>
+              <a:t>Periode</a:t>
+            </a:r>
+            <a:r>
+              <a:rPr lang="en-US" dirty="0"/>
+              <a:t> </a:t>
+            </a:r>
+            <a:r>
+              <a:rPr lang="en-US" dirty="0" err="1"/>
+              <a:t>påvirkning</a:t>
+            </a:r>
+            <a:r>
+              <a:rPr lang="en-US" dirty="0"/>
+              <a:t> </a:t>
+            </a:r>
+            <a:r>
+              <a:rPr lang="en-US" dirty="0" err="1"/>
+              <a:t>af</a:t>
+            </a:r>
+            <a:r>
+              <a:rPr lang="en-US" dirty="0"/>
+              <a:t> DFT</a:t>
+            </a:r>
+          </a:p>
+        </p:txBody>
+      </p:sp>
+      <p:sp>
+        <p:nvSpPr>
+          <p:cNvPr id="2" name="Slide Number Placeholder 1">
+            <a:extLst>
+              <a:ext uri="{FF2B5EF4-FFF2-40B4-BE49-F238E27FC236}">
+                <a16:creationId xmlns:a16="http://schemas.microsoft.com/office/drawing/2014/main" id="{A229CACB-9ABA-E421-9EF3-CD81C43DFBCB}"/>
+              </a:ext>
+            </a:extLst>
+          </p:cNvPr>
+          <p:cNvSpPr>
+            <a:spLocks noGrp="1"/>
+          </p:cNvSpPr>
+          <p:nvPr>
+            <p:ph type="sldNum" sz="quarter" idx="12"/>
+          </p:nvPr>
+        </p:nvSpPr>
+        <p:spPr/>
+        <p:txBody>
+          <a:bodyPr/>
+          <a:lstStyle/>
+          <a:p>
+            <a:fld id="{4B04BC67-DFA6-4863-89DB-B4077B3FACAF}" type="slidenum">
+              <a:rPr lang="en-US" smtClean="0"/>
+              <a:t>12</a:t>
+            </a:fld>
+            <a:endParaRPr lang="en-US"/>
+          </a:p>
+        </p:txBody>
+      </p:sp>
     </p:spTree>
     <p:extLst>
       <p:ext uri="{BB962C8B-B14F-4D97-AF65-F5344CB8AC3E}">
-        <p14:creationId xmlns:p14="http://schemas.microsoft.com/office/powerpoint/2010/main" val="3868345195"/>
+        <p14:creationId xmlns:p14="http://schemas.microsoft.com/office/powerpoint/2010/main" val="1875415987"/>
       </p:ext>
     </p:extLst>
   </p:cSld>
@@ -3714,6 +3963,35 @@
               <a:rPr lang="en-US" dirty="0"/>
               <a:t>Circular shift</a:t>
             </a:r>
+          </a:p>
+        </p:txBody>
+      </p:sp>
+      <p:sp>
+        <p:nvSpPr>
+          <p:cNvPr id="2" name="Slide Number Placeholder 1">
+            <a:extLst>
+              <a:ext uri="{FF2B5EF4-FFF2-40B4-BE49-F238E27FC236}">
+                <a16:creationId xmlns:a16="http://schemas.microsoft.com/office/drawing/2014/main" id="{976C7772-5320-654F-38F7-DB29CAFE4480}"/>
+              </a:ext>
+            </a:extLst>
+          </p:cNvPr>
+          <p:cNvSpPr>
+            <a:spLocks noGrp="1"/>
+          </p:cNvSpPr>
+          <p:nvPr>
+            <p:ph type="sldNum" sz="quarter" idx="12"/>
+          </p:nvPr>
+        </p:nvSpPr>
+        <p:spPr/>
+        <p:txBody>
+          <a:bodyPr/>
+          <a:lstStyle/>
+          <a:p>
+            <a:fld id="{4B04BC67-DFA6-4863-89DB-B4077B3FACAF}" type="slidenum">
+              <a:rPr lang="en-US" smtClean="0"/>
+              <a:t>13</a:t>
+            </a:fld>
+            <a:endParaRPr lang="en-US"/>
           </a:p>
         </p:txBody>
       </p:sp>
@@ -3747,12 +4025,41 @@
           <a:chExt cx="0" cy="0"/>
         </a:xfrm>
       </p:grpSpPr>
+      <p:sp>
+        <p:nvSpPr>
+          <p:cNvPr id="2" name="Title 1">
+            <a:extLst>
+              <a:ext uri="{FF2B5EF4-FFF2-40B4-BE49-F238E27FC236}">
+                <a16:creationId xmlns:a16="http://schemas.microsoft.com/office/drawing/2014/main" id="{71F2824D-2D72-425A-4A40-042DB014D635}"/>
+              </a:ext>
+            </a:extLst>
+          </p:cNvPr>
+          <p:cNvSpPr>
+            <a:spLocks noGrp="1"/>
+          </p:cNvSpPr>
+          <p:nvPr>
+            <p:ph type="title"/>
+          </p:nvPr>
+        </p:nvSpPr>
+        <p:spPr/>
+        <p:txBody>
+          <a:bodyPr/>
+          <a:lstStyle/>
+          <a:p>
+            <a:r>
+              <a:rPr lang="en-US"/>
+              <a:t>Anvendelse af DFT</a:t>
+            </a:r>
+            <a:endParaRPr lang="en-US" dirty="0"/>
+          </a:p>
+        </p:txBody>
+      </p:sp>
       <p:pic>
         <p:nvPicPr>
           <p:cNvPr id="4" name="Picture 3">
             <a:extLst>
               <a:ext uri="{FF2B5EF4-FFF2-40B4-BE49-F238E27FC236}">
-                <a16:creationId xmlns:a16="http://schemas.microsoft.com/office/drawing/2014/main" id="{11CBE2CB-50B9-527D-97BB-72436E14EDD4}"/>
+                <a16:creationId xmlns:a16="http://schemas.microsoft.com/office/drawing/2014/main" id="{C68EA6B5-4A8E-838F-80F3-772B05AD7232}"/>
               </a:ext>
             </a:extLst>
           </p:cNvPr>
@@ -3769,58 +4076,28 @@
         </p:blipFill>
         <p:spPr>
           <a:xfrm>
-            <a:off x="1184177" y="1663582"/>
-            <a:ext cx="3803845" cy="4572235"/>
+            <a:off x="0" y="2106657"/>
+            <a:ext cx="12192000" cy="4751343"/>
           </a:xfrm>
           <a:prstGeom prst="rect">
             <a:avLst/>
           </a:prstGeom>
         </p:spPr>
       </p:pic>
-      <p:pic>
-        <p:nvPicPr>
-          <p:cNvPr id="6" name="Picture 5">
-            <a:extLst>
-              <a:ext uri="{FF2B5EF4-FFF2-40B4-BE49-F238E27FC236}">
-                <a16:creationId xmlns:a16="http://schemas.microsoft.com/office/drawing/2014/main" id="{7464EBDC-E3C3-35E6-297C-96F8A3117590}"/>
-              </a:ext>
-            </a:extLst>
-          </p:cNvPr>
-          <p:cNvPicPr>
-            <a:picLocks noChangeAspect="1"/>
-          </p:cNvPicPr>
-          <p:nvPr/>
-        </p:nvPicPr>
-        <p:blipFill>
-          <a:blip r:embed="rId3"/>
-          <a:stretch>
-            <a:fillRect/>
-          </a:stretch>
-        </p:blipFill>
-        <p:spPr>
-          <a:xfrm>
-            <a:off x="7203980" y="1663581"/>
-            <a:ext cx="3988005" cy="4572235"/>
-          </a:xfrm>
-          <a:prstGeom prst="rect">
-            <a:avLst/>
-          </a:prstGeom>
-        </p:spPr>
-      </p:pic>
-      <p:sp>
-        <p:nvSpPr>
-          <p:cNvPr id="7" name="Title 6">
-            <a:extLst>
-              <a:ext uri="{FF2B5EF4-FFF2-40B4-BE49-F238E27FC236}">
-                <a16:creationId xmlns:a16="http://schemas.microsoft.com/office/drawing/2014/main" id="{60EA4D73-03A4-6C24-DE53-95B97277BACC}"/>
-              </a:ext>
-            </a:extLst>
-          </p:cNvPr>
-          <p:cNvSpPr>
-            <a:spLocks noGrp="1"/>
-          </p:cNvSpPr>
-          <p:nvPr>
-            <p:ph type="title"/>
+      <p:sp>
+        <p:nvSpPr>
+          <p:cNvPr id="3" name="Slide Number Placeholder 2">
+            <a:extLst>
+              <a:ext uri="{FF2B5EF4-FFF2-40B4-BE49-F238E27FC236}">
+                <a16:creationId xmlns:a16="http://schemas.microsoft.com/office/drawing/2014/main" id="{FD5ED32D-7470-49CD-0423-93745F59F958}"/>
+              </a:ext>
+            </a:extLst>
+          </p:cNvPr>
+          <p:cNvSpPr>
+            <a:spLocks noGrp="1"/>
+          </p:cNvSpPr>
+          <p:nvPr>
+            <p:ph type="sldNum" sz="quarter" idx="12"/>
           </p:nvPr>
         </p:nvSpPr>
         <p:spPr/>
@@ -3828,37 +4105,18 @@
           <a:bodyPr/>
           <a:lstStyle/>
           <a:p>
-            <a:r>
-              <a:rPr lang="en-US" dirty="0" err="1"/>
-              <a:t>Periode</a:t>
-            </a:r>
-            <a:r>
-              <a:rPr lang="en-US" dirty="0"/>
-              <a:t> </a:t>
-            </a:r>
-            <a:r>
-              <a:rPr lang="en-US" dirty="0" err="1"/>
-              <a:t>påvirkning</a:t>
-            </a:r>
-            <a:r>
-              <a:rPr lang="en-US" dirty="0"/>
-              <a:t> </a:t>
-            </a:r>
-            <a:r>
-              <a:rPr lang="en-US" dirty="0" err="1"/>
-              <a:t>af</a:t>
-            </a:r>
-            <a:r>
-              <a:rPr lang="en-US" dirty="0"/>
-              <a:t> DFT</a:t>
-            </a:r>
+            <a:fld id="{4B04BC67-DFA6-4863-89DB-B4077B3FACAF}" type="slidenum">
+              <a:rPr lang="en-US" smtClean="0"/>
+              <a:t>14</a:t>
+            </a:fld>
+            <a:endParaRPr lang="en-US"/>
           </a:p>
         </p:txBody>
       </p:sp>
     </p:spTree>
     <p:extLst>
       <p:ext uri="{BB962C8B-B14F-4D97-AF65-F5344CB8AC3E}">
-        <p14:creationId xmlns:p14="http://schemas.microsoft.com/office/powerpoint/2010/main" val="1875415987"/>
+        <p14:creationId xmlns:p14="http://schemas.microsoft.com/office/powerpoint/2010/main" val="3868345195"/>
       </p:ext>
     </p:extLst>
   </p:cSld>
@@ -3935,8 +4193,19 @@
           <a:lstStyle/>
           <a:p>
             <a:r>
+              <a:rPr lang="en-US" dirty="0"/>
+              <a:t>Fourie </a:t>
+            </a:r>
+            <a:r>
               <a:rPr lang="en-US" dirty="0" err="1"/>
-              <a:t>Anvendelse</a:t>
+              <a:t>serie</a:t>
+            </a:r>
+            <a:endParaRPr lang="en-US" dirty="0"/>
+          </a:p>
+          <a:p>
+            <a:r>
+              <a:rPr lang="en-US" dirty="0" err="1"/>
+              <a:t>Udledning</a:t>
             </a:r>
             <a:r>
               <a:rPr lang="en-US" dirty="0"/>
@@ -3944,25 +4213,20 @@
             </a:r>
             <a:r>
               <a:rPr lang="en-US" dirty="0" err="1"/>
-              <a:t>kort</a:t>
-            </a:r>
+              <a:t>af</a:t>
+            </a:r>
+            <a:r>
+              <a:rPr lang="en-US" dirty="0"/>
+              <a:t> DFT</a:t>
+            </a:r>
+          </a:p>
+          <a:p>
             <a:endParaRPr lang="en-US" dirty="0"/>
           </a:p>
           <a:p>
             <a:r>
-              <a:rPr lang="en-US" dirty="0"/>
-              <a:t>Fourie </a:t>
-            </a:r>
-            <a:r>
               <a:rPr lang="en-US" dirty="0" err="1"/>
-              <a:t>serie</a:t>
-            </a:r>
-            <a:endParaRPr lang="en-US" dirty="0"/>
-          </a:p>
-          <a:p>
-            <a:r>
-              <a:rPr lang="en-US" dirty="0" err="1"/>
-              <a:t>Udledning</a:t>
+              <a:t>Dybte</a:t>
             </a:r>
             <a:r>
               <a:rPr lang="en-US" dirty="0"/>
@@ -3970,6 +4234,22 @@
             </a:r>
             <a:r>
               <a:rPr lang="en-US" dirty="0" err="1"/>
+              <a:t>gående</a:t>
+            </a:r>
+            <a:r>
+              <a:rPr lang="en-US" dirty="0"/>
+              <a:t> </a:t>
+            </a:r>
+            <a:r>
+              <a:rPr lang="en-US" dirty="0" err="1"/>
+              <a:t>anvendlse</a:t>
+            </a:r>
+            <a:r>
+              <a:rPr lang="en-US" dirty="0"/>
+              <a:t> </a:t>
+            </a:r>
+            <a:r>
+              <a:rPr lang="en-US" dirty="0" err="1"/>
               <a:t>af</a:t>
             </a:r>
             <a:r>
@@ -3977,42 +4257,70 @@
               <a:t> DFT</a:t>
             </a:r>
           </a:p>
-          <a:p>
-            <a:endParaRPr lang="en-US" dirty="0"/>
-          </a:p>
-          <a:p>
-            <a:r>
-              <a:rPr lang="en-US" dirty="0" err="1"/>
-              <a:t>Dybte</a:t>
-            </a:r>
-            <a:r>
-              <a:rPr lang="en-US" dirty="0"/>
-              <a:t> </a:t>
-            </a:r>
-            <a:r>
-              <a:rPr lang="en-US" dirty="0" err="1"/>
-              <a:t>gående</a:t>
-            </a:r>
-            <a:r>
-              <a:rPr lang="en-US" dirty="0"/>
-              <a:t> </a:t>
-            </a:r>
-            <a:r>
-              <a:rPr lang="en-US" dirty="0" err="1"/>
-              <a:t>anvendlse</a:t>
-            </a:r>
-            <a:r>
-              <a:rPr lang="en-US" dirty="0"/>
-              <a:t> </a:t>
-            </a:r>
-            <a:r>
-              <a:rPr lang="en-US" dirty="0" err="1"/>
-              <a:t>af</a:t>
-            </a:r>
-            <a:r>
-              <a:rPr lang="en-US" dirty="0"/>
-              <a:t> DFT</a:t>
-            </a:r>
+        </p:txBody>
+      </p:sp>
+      <p:pic>
+        <p:nvPicPr>
+          <p:cNvPr id="5" name="Picture 4" descr="A graph of a graph&#10;&#10;Description automatically generated with medium confidence">
+            <a:extLst>
+              <a:ext uri="{FF2B5EF4-FFF2-40B4-BE49-F238E27FC236}">
+                <a16:creationId xmlns:a16="http://schemas.microsoft.com/office/drawing/2014/main" id="{C588F9E0-A528-FAFB-9985-DBC48650C464}"/>
+              </a:ext>
+            </a:extLst>
+          </p:cNvPr>
+          <p:cNvPicPr>
+            <a:picLocks noChangeAspect="1"/>
+          </p:cNvPicPr>
+          <p:nvPr/>
+        </p:nvPicPr>
+        <p:blipFill>
+          <a:blip r:embed="rId2">
+            <a:extLst>
+              <a:ext uri="{28A0092B-C50C-407E-A947-70E740481C1C}">
+                <a14:useLocalDpi xmlns:a14="http://schemas.microsoft.com/office/drawing/2010/main" val="0"/>
+              </a:ext>
+            </a:extLst>
+          </a:blip>
+          <a:stretch>
+            <a:fillRect/>
+          </a:stretch>
+        </p:blipFill>
+        <p:spPr>
+          <a:xfrm>
+            <a:off x="0" y="4503876"/>
+            <a:ext cx="12192000" cy="2354124"/>
+          </a:xfrm>
+          <a:prstGeom prst="rect">
+            <a:avLst/>
+          </a:prstGeom>
+        </p:spPr>
+      </p:pic>
+      <p:sp>
+        <p:nvSpPr>
+          <p:cNvPr id="6" name="Slide Number Placeholder 5">
+            <a:extLst>
+              <a:ext uri="{FF2B5EF4-FFF2-40B4-BE49-F238E27FC236}">
+                <a16:creationId xmlns:a16="http://schemas.microsoft.com/office/drawing/2014/main" id="{7C1F38E7-03EF-6D62-6435-3AFDAEDE92AA}"/>
+              </a:ext>
+            </a:extLst>
+          </p:cNvPr>
+          <p:cNvSpPr>
+            <a:spLocks noGrp="1"/>
+          </p:cNvSpPr>
+          <p:nvPr>
+            <p:ph type="sldNum" sz="quarter" idx="12"/>
+          </p:nvPr>
+        </p:nvSpPr>
+        <p:spPr/>
+        <p:txBody>
+          <a:bodyPr/>
+          <a:lstStyle/>
+          <a:p>
+            <a:fld id="{4B04BC67-DFA6-4863-89DB-B4077B3FACAF}" type="slidenum">
+              <a:rPr lang="en-US" smtClean="0"/>
+              <a:t>2</a:t>
+            </a:fld>
+            <a:endParaRPr lang="en-US"/>
           </a:p>
         </p:txBody>
       </p:sp>
@@ -4113,6 +4421,35 @@
           </a:p>
         </p:txBody>
       </p:sp>
+      <p:sp>
+        <p:nvSpPr>
+          <p:cNvPr id="2" name="Slide Number Placeholder 1">
+            <a:extLst>
+              <a:ext uri="{FF2B5EF4-FFF2-40B4-BE49-F238E27FC236}">
+                <a16:creationId xmlns:a16="http://schemas.microsoft.com/office/drawing/2014/main" id="{4D1C2F13-9526-C622-49D3-6D5F36535594}"/>
+              </a:ext>
+            </a:extLst>
+          </p:cNvPr>
+          <p:cNvSpPr>
+            <a:spLocks noGrp="1"/>
+          </p:cNvSpPr>
+          <p:nvPr>
+            <p:ph type="sldNum" sz="quarter" idx="12"/>
+          </p:nvPr>
+        </p:nvSpPr>
+        <p:spPr/>
+        <p:txBody>
+          <a:bodyPr/>
+          <a:lstStyle/>
+          <a:p>
+            <a:fld id="{4B04BC67-DFA6-4863-89DB-B4077B3FACAF}" type="slidenum">
+              <a:rPr lang="en-US" smtClean="0"/>
+              <a:t>3</a:t>
+            </a:fld>
+            <a:endParaRPr lang="en-US"/>
+          </a:p>
+        </p:txBody>
+      </p:sp>
     </p:spTree>
     <p:extLst>
       <p:ext uri="{BB962C8B-B14F-4D97-AF65-F5344CB8AC3E}">
@@ -4143,40 +4480,12 @@
           <a:chExt cx="0" cy="0"/>
         </a:xfrm>
       </p:grpSpPr>
-      <p:sp>
-        <p:nvSpPr>
-          <p:cNvPr id="2" name="Title 1">
-            <a:extLst>
-              <a:ext uri="{FF2B5EF4-FFF2-40B4-BE49-F238E27FC236}">
-                <a16:creationId xmlns:a16="http://schemas.microsoft.com/office/drawing/2014/main" id="{D630CB7B-B5C0-4BBC-4606-E9D98E78EDDC}"/>
-              </a:ext>
-            </a:extLst>
-          </p:cNvPr>
-          <p:cNvSpPr>
-            <a:spLocks noGrp="1"/>
-          </p:cNvSpPr>
-          <p:nvPr>
-            <p:ph type="title"/>
-          </p:nvPr>
-        </p:nvSpPr>
-        <p:spPr/>
-        <p:txBody>
-          <a:bodyPr/>
-          <a:lstStyle/>
-          <a:p>
-            <a:r>
-              <a:rPr lang="en-US" dirty="0"/>
-              <a:t>Fourier Serie</a:t>
-            </a:r>
-          </a:p>
-        </p:txBody>
-      </p:sp>
       <p:pic>
         <p:nvPicPr>
           <p:cNvPr id="4" name="Picture 3">
             <a:extLst>
               <a:ext uri="{FF2B5EF4-FFF2-40B4-BE49-F238E27FC236}">
-                <a16:creationId xmlns:a16="http://schemas.microsoft.com/office/drawing/2014/main" id="{78A3A952-5151-6A40-EBB6-653EDEE5E8BD}"/>
+                <a16:creationId xmlns:a16="http://schemas.microsoft.com/office/drawing/2014/main" id="{8BA89C7F-92E4-524C-C882-40742B71F0AC}"/>
               </a:ext>
             </a:extLst>
           </p:cNvPr>
@@ -4193,18 +4502,47 @@
         </p:blipFill>
         <p:spPr>
           <a:xfrm>
-            <a:off x="838200" y="1600200"/>
-            <a:ext cx="7421249" cy="4991100"/>
+            <a:off x="0" y="1250024"/>
+            <a:ext cx="12192000" cy="5107459"/>
           </a:xfrm>
           <a:prstGeom prst="rect">
             <a:avLst/>
           </a:prstGeom>
         </p:spPr>
       </p:pic>
+      <p:sp>
+        <p:nvSpPr>
+          <p:cNvPr id="2" name="Slide Number Placeholder 1">
+            <a:extLst>
+              <a:ext uri="{FF2B5EF4-FFF2-40B4-BE49-F238E27FC236}">
+                <a16:creationId xmlns:a16="http://schemas.microsoft.com/office/drawing/2014/main" id="{A2BF64AF-22C6-2CCC-ACA5-927E9B02FEAA}"/>
+              </a:ext>
+            </a:extLst>
+          </p:cNvPr>
+          <p:cNvSpPr>
+            <a:spLocks noGrp="1"/>
+          </p:cNvSpPr>
+          <p:nvPr>
+            <p:ph type="sldNum" sz="quarter" idx="12"/>
+          </p:nvPr>
+        </p:nvSpPr>
+        <p:spPr/>
+        <p:txBody>
+          <a:bodyPr/>
+          <a:lstStyle/>
+          <a:p>
+            <a:fld id="{4B04BC67-DFA6-4863-89DB-B4077B3FACAF}" type="slidenum">
+              <a:rPr lang="en-US" smtClean="0"/>
+              <a:t>4</a:t>
+            </a:fld>
+            <a:endParaRPr lang="en-US"/>
+          </a:p>
+        </p:txBody>
+      </p:sp>
     </p:spTree>
     <p:extLst>
       <p:ext uri="{BB962C8B-B14F-4D97-AF65-F5344CB8AC3E}">
-        <p14:creationId xmlns:p14="http://schemas.microsoft.com/office/powerpoint/2010/main" val="311411350"/>
+        <p14:creationId xmlns:p14="http://schemas.microsoft.com/office/powerpoint/2010/main" val="1661358152"/>
       </p:ext>
     </p:extLst>
   </p:cSld>
@@ -4231,12 +4569,40 @@
           <a:chExt cx="0" cy="0"/>
         </a:xfrm>
       </p:grpSpPr>
+      <p:sp>
+        <p:nvSpPr>
+          <p:cNvPr id="2" name="Title 1">
+            <a:extLst>
+              <a:ext uri="{FF2B5EF4-FFF2-40B4-BE49-F238E27FC236}">
+                <a16:creationId xmlns:a16="http://schemas.microsoft.com/office/drawing/2014/main" id="{D630CB7B-B5C0-4BBC-4606-E9D98E78EDDC}"/>
+              </a:ext>
+            </a:extLst>
+          </p:cNvPr>
+          <p:cNvSpPr>
+            <a:spLocks noGrp="1"/>
+          </p:cNvSpPr>
+          <p:nvPr>
+            <p:ph type="title"/>
+          </p:nvPr>
+        </p:nvSpPr>
+        <p:spPr/>
+        <p:txBody>
+          <a:bodyPr/>
+          <a:lstStyle/>
+          <a:p>
+            <a:r>
+              <a:rPr lang="en-US" dirty="0"/>
+              <a:t>Fourier Serie</a:t>
+            </a:r>
+          </a:p>
+        </p:txBody>
+      </p:sp>
       <p:pic>
         <p:nvPicPr>
-          <p:cNvPr id="3" name="Picture 2">
-            <a:extLst>
-              <a:ext uri="{FF2B5EF4-FFF2-40B4-BE49-F238E27FC236}">
-                <a16:creationId xmlns:a16="http://schemas.microsoft.com/office/drawing/2014/main" id="{6235AEF9-279F-9EE9-562C-E0806FB2CE0E}"/>
+          <p:cNvPr id="4" name="Picture 3">
+            <a:extLst>
+              <a:ext uri="{FF2B5EF4-FFF2-40B4-BE49-F238E27FC236}">
+                <a16:creationId xmlns:a16="http://schemas.microsoft.com/office/drawing/2014/main" id="{78A3A952-5151-6A40-EBB6-653EDEE5E8BD}"/>
               </a:ext>
             </a:extLst>
           </p:cNvPr>
@@ -4253,18 +4619,47 @@
         </p:blipFill>
         <p:spPr>
           <a:xfrm>
-            <a:off x="250330" y="0"/>
-            <a:ext cx="11691340" cy="6858000"/>
+            <a:off x="838200" y="1600200"/>
+            <a:ext cx="7421249" cy="4991100"/>
           </a:xfrm>
           <a:prstGeom prst="rect">
             <a:avLst/>
           </a:prstGeom>
         </p:spPr>
       </p:pic>
+      <p:sp>
+        <p:nvSpPr>
+          <p:cNvPr id="3" name="Slide Number Placeholder 2">
+            <a:extLst>
+              <a:ext uri="{FF2B5EF4-FFF2-40B4-BE49-F238E27FC236}">
+                <a16:creationId xmlns:a16="http://schemas.microsoft.com/office/drawing/2014/main" id="{63534DCE-0068-2B5F-FEDE-E15470C5E7C5}"/>
+              </a:ext>
+            </a:extLst>
+          </p:cNvPr>
+          <p:cNvSpPr>
+            <a:spLocks noGrp="1"/>
+          </p:cNvSpPr>
+          <p:nvPr>
+            <p:ph type="sldNum" sz="quarter" idx="12"/>
+          </p:nvPr>
+        </p:nvSpPr>
+        <p:spPr/>
+        <p:txBody>
+          <a:bodyPr/>
+          <a:lstStyle/>
+          <a:p>
+            <a:fld id="{4B04BC67-DFA6-4863-89DB-B4077B3FACAF}" type="slidenum">
+              <a:rPr lang="en-US" smtClean="0"/>
+              <a:t>5</a:t>
+            </a:fld>
+            <a:endParaRPr lang="en-US"/>
+          </a:p>
+        </p:txBody>
+      </p:sp>
     </p:spTree>
     <p:extLst>
       <p:ext uri="{BB962C8B-B14F-4D97-AF65-F5344CB8AC3E}">
-        <p14:creationId xmlns:p14="http://schemas.microsoft.com/office/powerpoint/2010/main" val="4079202002"/>
+        <p14:creationId xmlns:p14="http://schemas.microsoft.com/office/powerpoint/2010/main" val="311411350"/>
       </p:ext>
     </p:extLst>
   </p:cSld>
@@ -4296,7 +4691,7 @@
           <p:cNvPr id="3" name="Picture 2">
             <a:extLst>
               <a:ext uri="{FF2B5EF4-FFF2-40B4-BE49-F238E27FC236}">
-                <a16:creationId xmlns:a16="http://schemas.microsoft.com/office/drawing/2014/main" id="{2055A565-275C-AE44-FE46-A97CE6968B38}"/>
+                <a16:creationId xmlns:a16="http://schemas.microsoft.com/office/drawing/2014/main" id="{6235AEF9-279F-9EE9-562C-E0806FB2CE0E}"/>
               </a:ext>
             </a:extLst>
           </p:cNvPr>
@@ -4313,18 +4708,47 @@
         </p:blipFill>
         <p:spPr>
           <a:xfrm>
-            <a:off x="1924050" y="1202696"/>
-            <a:ext cx="8343900" cy="4452608"/>
+            <a:off x="250330" y="0"/>
+            <a:ext cx="11691340" cy="6858000"/>
           </a:xfrm>
           <a:prstGeom prst="rect">
             <a:avLst/>
           </a:prstGeom>
         </p:spPr>
       </p:pic>
+      <p:sp>
+        <p:nvSpPr>
+          <p:cNvPr id="2" name="Slide Number Placeholder 1">
+            <a:extLst>
+              <a:ext uri="{FF2B5EF4-FFF2-40B4-BE49-F238E27FC236}">
+                <a16:creationId xmlns:a16="http://schemas.microsoft.com/office/drawing/2014/main" id="{8A4B2339-2EBB-CC6A-BE3D-80A130E532EA}"/>
+              </a:ext>
+            </a:extLst>
+          </p:cNvPr>
+          <p:cNvSpPr>
+            <a:spLocks noGrp="1"/>
+          </p:cNvSpPr>
+          <p:nvPr>
+            <p:ph type="sldNum" sz="quarter" idx="12"/>
+          </p:nvPr>
+        </p:nvSpPr>
+        <p:spPr/>
+        <p:txBody>
+          <a:bodyPr/>
+          <a:lstStyle/>
+          <a:p>
+            <a:fld id="{4B04BC67-DFA6-4863-89DB-B4077B3FACAF}" type="slidenum">
+              <a:rPr lang="en-US" smtClean="0"/>
+              <a:t>6</a:t>
+            </a:fld>
+            <a:endParaRPr lang="en-US"/>
+          </a:p>
+        </p:txBody>
+      </p:sp>
     </p:spTree>
     <p:extLst>
       <p:ext uri="{BB962C8B-B14F-4D97-AF65-F5344CB8AC3E}">
-        <p14:creationId xmlns:p14="http://schemas.microsoft.com/office/powerpoint/2010/main" val="2556098636"/>
+        <p14:creationId xmlns:p14="http://schemas.microsoft.com/office/powerpoint/2010/main" val="4079202002"/>
       </p:ext>
     </p:extLst>
   </p:cSld>
@@ -4381,6 +4805,35 @@
           </a:prstGeom>
         </p:spPr>
       </p:pic>
+      <p:sp>
+        <p:nvSpPr>
+          <p:cNvPr id="2" name="Slide Number Placeholder 1">
+            <a:extLst>
+              <a:ext uri="{FF2B5EF4-FFF2-40B4-BE49-F238E27FC236}">
+                <a16:creationId xmlns:a16="http://schemas.microsoft.com/office/drawing/2014/main" id="{6D8B1676-7AF2-8DF4-F641-D1556FC63597}"/>
+              </a:ext>
+            </a:extLst>
+          </p:cNvPr>
+          <p:cNvSpPr>
+            <a:spLocks noGrp="1"/>
+          </p:cNvSpPr>
+          <p:nvPr>
+            <p:ph type="sldNum" sz="quarter" idx="12"/>
+          </p:nvPr>
+        </p:nvSpPr>
+        <p:spPr/>
+        <p:txBody>
+          <a:bodyPr/>
+          <a:lstStyle/>
+          <a:p>
+            <a:fld id="{4B04BC67-DFA6-4863-89DB-B4077B3FACAF}" type="slidenum">
+              <a:rPr lang="en-US" smtClean="0"/>
+              <a:t>7</a:t>
+            </a:fld>
+            <a:endParaRPr lang="en-US"/>
+          </a:p>
+        </p:txBody>
+      </p:sp>
     </p:spTree>
     <p:extLst>
       <p:ext uri="{BB962C8B-B14F-4D97-AF65-F5344CB8AC3E}">
@@ -4441,6 +4894,35 @@
           </a:prstGeom>
         </p:spPr>
       </p:pic>
+      <p:sp>
+        <p:nvSpPr>
+          <p:cNvPr id="2" name="Slide Number Placeholder 1">
+            <a:extLst>
+              <a:ext uri="{FF2B5EF4-FFF2-40B4-BE49-F238E27FC236}">
+                <a16:creationId xmlns:a16="http://schemas.microsoft.com/office/drawing/2014/main" id="{8CE08C31-F81D-9E22-A4A8-556D86EE3715}"/>
+              </a:ext>
+            </a:extLst>
+          </p:cNvPr>
+          <p:cNvSpPr>
+            <a:spLocks noGrp="1"/>
+          </p:cNvSpPr>
+          <p:nvPr>
+            <p:ph type="sldNum" sz="quarter" idx="12"/>
+          </p:nvPr>
+        </p:nvSpPr>
+        <p:spPr/>
+        <p:txBody>
+          <a:bodyPr/>
+          <a:lstStyle/>
+          <a:p>
+            <a:fld id="{4B04BC67-DFA6-4863-89DB-B4077B3FACAF}" type="slidenum">
+              <a:rPr lang="en-US" smtClean="0"/>
+              <a:t>8</a:t>
+            </a:fld>
+            <a:endParaRPr lang="en-US"/>
+          </a:p>
+        </p:txBody>
+      </p:sp>
     </p:spTree>
     <p:extLst>
       <p:ext uri="{BB962C8B-B14F-4D97-AF65-F5344CB8AC3E}">
@@ -4501,6 +4983,35 @@
           </a:prstGeom>
         </p:spPr>
       </p:pic>
+      <p:sp>
+        <p:nvSpPr>
+          <p:cNvPr id="2" name="Slide Number Placeholder 1">
+            <a:extLst>
+              <a:ext uri="{FF2B5EF4-FFF2-40B4-BE49-F238E27FC236}">
+                <a16:creationId xmlns:a16="http://schemas.microsoft.com/office/drawing/2014/main" id="{4A74A402-0A14-50D1-F47F-70891C87E2EF}"/>
+              </a:ext>
+            </a:extLst>
+          </p:cNvPr>
+          <p:cNvSpPr>
+            <a:spLocks noGrp="1"/>
+          </p:cNvSpPr>
+          <p:nvPr>
+            <p:ph type="sldNum" sz="quarter" idx="12"/>
+          </p:nvPr>
+        </p:nvSpPr>
+        <p:spPr/>
+        <p:txBody>
+          <a:bodyPr/>
+          <a:lstStyle/>
+          <a:p>
+            <a:fld id="{4B04BC67-DFA6-4863-89DB-B4077B3FACAF}" type="slidenum">
+              <a:rPr lang="en-US" smtClean="0"/>
+              <a:t>9</a:t>
+            </a:fld>
+            <a:endParaRPr lang="en-US"/>
+          </a:p>
+        </p:txBody>
+      </p:sp>
     </p:spTree>
     <p:extLst>
       <p:ext uri="{BB962C8B-B14F-4D97-AF65-F5344CB8AC3E}">
